--- a/01_Contents.pptx
+++ b/01_Contents.pptx
@@ -110,7 +110,57 @@
       </a:defRPr>
     </a:lvl9pPr>
   </p:defaultTextStyle>
+  <p:extLst>
+    <p:ext uri="{EFAFB233-063F-42B5-8137-9DF3F51BA10A}">
+      <p15:sldGuideLst xmlns:p15="http://schemas.microsoft.com/office/powerpoint/2012/main"/>
+    </p:ext>
+  </p:extLst>
 </p:presentation>
+</file>
+
+<file path=ppt/revisionInfo.xml><?xml version="1.0" encoding="utf-8"?>
+<p1510:revInfo xmlns:a="http://schemas.openxmlformats.org/drawingml/2006/main" xmlns:r="http://schemas.openxmlformats.org/officeDocument/2006/relationships" xmlns:p1510="http://schemas.microsoft.com/office/powerpoint/2015/10/main">
+  <p1510:revLst>
+    <p1510:client id="{0733ECC1-2F15-4C94-8865-684FA2566498}" v="1" dt="2025-05-22T14:20:25.493"/>
+  </p1510:revLst>
+</p1510:revInfo>
+</file>
+
+<file path=ppt/changesInfos/changesInfo1.xml><?xml version="1.0" encoding="utf-8"?>
+<pc:chgInfo xmlns:a="http://schemas.openxmlformats.org/drawingml/2006/main" xmlns:r="http://schemas.openxmlformats.org/officeDocument/2006/relationships" xmlns:ac="http://schemas.microsoft.com/office/drawing/2013/main/command" xmlns:pc="http://schemas.microsoft.com/office/powerpoint/2013/main/command">
+  <pc:docChgLst>
+    <pc:chgData name="DevOps Security" userId="a8b5d6ee3a09ac59" providerId="LiveId" clId="{0733ECC1-2F15-4C94-8865-684FA2566498}"/>
+    <pc:docChg chg="custSel modSld">
+      <pc:chgData name="DevOps Security" userId="a8b5d6ee3a09ac59" providerId="LiveId" clId="{0733ECC1-2F15-4C94-8865-684FA2566498}" dt="2025-05-22T14:20:41.419" v="3" actId="1076"/>
+      <pc:docMkLst>
+        <pc:docMk/>
+      </pc:docMkLst>
+      <pc:sldChg chg="addSp delSp modSp mod">
+        <pc:chgData name="DevOps Security" userId="a8b5d6ee3a09ac59" providerId="LiveId" clId="{0733ECC1-2F15-4C94-8865-684FA2566498}" dt="2025-05-22T14:20:41.419" v="3" actId="1076"/>
+        <pc:sldMkLst>
+          <pc:docMk/>
+          <pc:sldMk cId="1517285631" sldId="256"/>
+        </pc:sldMkLst>
+        <pc:picChg chg="add mod">
+          <ac:chgData name="DevOps Security" userId="a8b5d6ee3a09ac59" providerId="LiveId" clId="{0733ECC1-2F15-4C94-8865-684FA2566498}" dt="2025-05-22T14:20:41.419" v="3" actId="1076"/>
+          <ac:picMkLst>
+            <pc:docMk/>
+            <pc:sldMk cId="1517285631" sldId="256"/>
+            <ac:picMk id="3" creationId="{CCFB512D-07B1-DBF3-54AD-5AF579EF8EA0}"/>
+          </ac:picMkLst>
+        </pc:picChg>
+        <pc:picChg chg="del">
+          <ac:chgData name="DevOps Security" userId="a8b5d6ee3a09ac59" providerId="LiveId" clId="{0733ECC1-2F15-4C94-8865-684FA2566498}" dt="2025-05-22T14:20:36.865" v="2" actId="478"/>
+          <ac:picMkLst>
+            <pc:docMk/>
+            <pc:sldMk cId="1517285631" sldId="256"/>
+            <ac:picMk id="4" creationId="{00BB30C0-E7A8-1FD2-8827-6723044B5792}"/>
+          </ac:picMkLst>
+        </pc:picChg>
+      </pc:sldChg>
+    </pc:docChg>
+  </pc:docChgLst>
+</pc:chgInfo>
 </file>
 
 <file path=ppt/slideLayouts/slideLayout1.xml><?xml version="1.0" encoding="utf-8"?>
@@ -3350,10 +3400,10 @@
       </p:grpSpPr>
       <p:pic>
         <p:nvPicPr>
-          <p:cNvPr id="4" name="Picture 3">
-            <a:extLst>
-              <a:ext uri="{FF2B5EF4-FFF2-40B4-BE49-F238E27FC236}">
-                <a16:creationId xmlns:a16="http://schemas.microsoft.com/office/drawing/2014/main" id="{00BB30C0-E7A8-1FD2-8827-6723044B5792}"/>
+          <p:cNvPr id="3" name="Picture 2">
+            <a:extLst>
+              <a:ext uri="{FF2B5EF4-FFF2-40B4-BE49-F238E27FC236}">
+                <a16:creationId xmlns:a16="http://schemas.microsoft.com/office/drawing/2014/main" id="{CCFB512D-07B1-DBF3-54AD-5AF579EF8EA0}"/>
               </a:ext>
             </a:extLst>
           </p:cNvPr>
@@ -3376,7 +3426,7 @@
         </p:blipFill>
         <p:spPr>
           <a:xfrm>
-            <a:off x="0" y="428"/>
+            <a:off x="1524" y="0"/>
             <a:ext cx="12190476" cy="6857143"/>
           </a:xfrm>
           <a:prstGeom prst="rect">
